--- a/10-participatory-budgeting/slides-1-budget-discrete.pptx
+++ b/10-participatory-budgeting/slides-1-budget-discrete.pptx
@@ -23,9 +23,8 @@
     <p:sldId id="271" r:id="rId17"/>
     <p:sldId id="272" r:id="rId18"/>
     <p:sldId id="273" r:id="rId19"/>
-    <p:sldId id="274" r:id="rId20"/>
-    <p:sldId id="275" r:id="rId21"/>
-    <p:sldId id="276" r:id="rId22"/>
+    <p:sldId id="275" r:id="rId20"/>
+    <p:sldId id="276" r:id="rId21"/>
   </p:sldIdLst>
   <p:sldSz cx="9144000" cy="6858000" type="screen4x3"/>
   <p:notesSz cx="6858000" cy="9144000"/>
@@ -263,7 +262,7 @@
           <a:p>
             <a:fld id="{DC548CFC-330B-4E13-8594-C7215081A49A}" type="datetimeFigureOut">
               <a:rPr lang="en-US" smtClean="0"/>
-              <a:t>2/20/2024</a:t>
+              <a:t>5/25/2025</a:t>
             </a:fld>
             <a:endParaRPr lang="en-US"/>
           </a:p>
@@ -433,7 +432,7 @@
           <a:p>
             <a:fld id="{DC548CFC-330B-4E13-8594-C7215081A49A}" type="datetimeFigureOut">
               <a:rPr lang="en-US" smtClean="0"/>
-              <a:t>2/20/2024</a:t>
+              <a:t>5/25/2025</a:t>
             </a:fld>
             <a:endParaRPr lang="en-US"/>
           </a:p>
@@ -613,7 +612,7 @@
           <a:p>
             <a:fld id="{DC548CFC-330B-4E13-8594-C7215081A49A}" type="datetimeFigureOut">
               <a:rPr lang="en-US" smtClean="0"/>
-              <a:t>2/20/2024</a:t>
+              <a:t>5/25/2025</a:t>
             </a:fld>
             <a:endParaRPr lang="en-US"/>
           </a:p>
@@ -783,7 +782,7 @@
           <a:p>
             <a:fld id="{DC548CFC-330B-4E13-8594-C7215081A49A}" type="datetimeFigureOut">
               <a:rPr lang="en-US" smtClean="0"/>
-              <a:t>2/20/2024</a:t>
+              <a:t>5/25/2025</a:t>
             </a:fld>
             <a:endParaRPr lang="en-US"/>
           </a:p>
@@ -1027,7 +1026,7 @@
           <a:p>
             <a:fld id="{DC548CFC-330B-4E13-8594-C7215081A49A}" type="datetimeFigureOut">
               <a:rPr lang="en-US" smtClean="0"/>
-              <a:t>2/20/2024</a:t>
+              <a:t>5/25/2025</a:t>
             </a:fld>
             <a:endParaRPr lang="en-US"/>
           </a:p>
@@ -1259,7 +1258,7 @@
           <a:p>
             <a:fld id="{DC548CFC-330B-4E13-8594-C7215081A49A}" type="datetimeFigureOut">
               <a:rPr lang="en-US" smtClean="0"/>
-              <a:t>2/20/2024</a:t>
+              <a:t>5/25/2025</a:t>
             </a:fld>
             <a:endParaRPr lang="en-US"/>
           </a:p>
@@ -1626,7 +1625,7 @@
           <a:p>
             <a:fld id="{DC548CFC-330B-4E13-8594-C7215081A49A}" type="datetimeFigureOut">
               <a:rPr lang="en-US" smtClean="0"/>
-              <a:t>2/20/2024</a:t>
+              <a:t>5/25/2025</a:t>
             </a:fld>
             <a:endParaRPr lang="en-US"/>
           </a:p>
@@ -1744,7 +1743,7 @@
           <a:p>
             <a:fld id="{DC548CFC-330B-4E13-8594-C7215081A49A}" type="datetimeFigureOut">
               <a:rPr lang="en-US" smtClean="0"/>
-              <a:t>2/20/2024</a:t>
+              <a:t>5/25/2025</a:t>
             </a:fld>
             <a:endParaRPr lang="en-US"/>
           </a:p>
@@ -1839,7 +1838,7 @@
           <a:p>
             <a:fld id="{DC548CFC-330B-4E13-8594-C7215081A49A}" type="datetimeFigureOut">
               <a:rPr lang="en-US" smtClean="0"/>
-              <a:t>2/20/2024</a:t>
+              <a:t>5/25/2025</a:t>
             </a:fld>
             <a:endParaRPr lang="en-US"/>
           </a:p>
@@ -2116,7 +2115,7 @@
           <a:p>
             <a:fld id="{DC548CFC-330B-4E13-8594-C7215081A49A}" type="datetimeFigureOut">
               <a:rPr lang="en-US" smtClean="0"/>
-              <a:t>2/20/2024</a:t>
+              <a:t>5/25/2025</a:t>
             </a:fld>
             <a:endParaRPr lang="en-US"/>
           </a:p>
@@ -2373,7 +2372,7 @@
           <a:p>
             <a:fld id="{DC548CFC-330B-4E13-8594-C7215081A49A}" type="datetimeFigureOut">
               <a:rPr lang="en-US" smtClean="0"/>
-              <a:t>2/20/2024</a:t>
+              <a:t>5/25/2025</a:t>
             </a:fld>
             <a:endParaRPr lang="en-US"/>
           </a:p>
@@ -2586,7 +2585,7 @@
           <a:p>
             <a:fld id="{DC548CFC-330B-4E13-8594-C7215081A49A}" type="datetimeFigureOut">
               <a:rPr lang="en-US" smtClean="0"/>
-              <a:t>2/20/2024</a:t>
+              <a:t>5/25/2025</a:t>
             </a:fld>
             <a:endParaRPr lang="en-US"/>
           </a:p>
@@ -3183,7 +3182,9 @@
           </a:xfrm>
         </p:spPr>
         <p:txBody>
-          <a:bodyPr/>
+          <a:bodyPr>
+            <a:normAutofit fontScale="90000"/>
+          </a:bodyPr>
           <a:lstStyle/>
           <a:p>
             <a:pPr algn="ctr" rtl="1"/>
@@ -3707,7 +3708,9 @@
           </a:xfrm>
         </p:spPr>
         <p:txBody>
-          <a:bodyPr/>
+          <a:bodyPr>
+            <a:normAutofit fontScale="90000"/>
+          </a:bodyPr>
           <a:lstStyle/>
           <a:p>
             <a:pPr algn="ctr" rtl="1"/>
@@ -4258,17 +4261,29 @@
               <a:buNone/>
             </a:pPr>
             <a:r>
-              <a:rPr lang="he-IL"/>
+              <a:rPr lang="he-IL">
+                <a:solidFill>
+                  <a:schemeClr val="accent1"/>
+                </a:solidFill>
+              </a:rPr>
               <a:t>1. הוסף לכל אזרח תקציב בקצב קבוע, עד שיש מועמד אחד, שהתומכים שלו יכולים לממן אותו.</a:t>
             </a:r>
-            <a:endParaRPr lang="en-US"/>
+            <a:endParaRPr lang="en-US">
+              <a:solidFill>
+                <a:schemeClr val="accent1"/>
+              </a:solidFill>
+            </a:endParaRPr>
           </a:p>
           <a:p>
             <a:pPr marL="0" indent="0" algn="r" rtl="1">
               <a:buNone/>
             </a:pPr>
             <a:r>
-              <a:rPr lang="he-IL"/>
+              <a:rPr lang="he-IL">
+                <a:solidFill>
+                  <a:schemeClr val="accent6"/>
+                </a:solidFill>
+              </a:rPr>
               <a:t>2. ברגע שיש מועמד כזה, בחר אותו, והורד את היתרה של כל התומכים שלו לאפס.</a:t>
             </a:r>
           </a:p>
@@ -4277,18 +4292,34 @@
               <a:buNone/>
             </a:pPr>
             <a:r>
-              <a:rPr lang="he-IL"/>
+              <a:rPr lang="he-IL">
+                <a:solidFill>
+                  <a:schemeClr val="accent5"/>
+                </a:solidFill>
+              </a:rPr>
               <a:t>3. אם נבחרו כבר </a:t>
             </a:r>
             <a:r>
-              <a:rPr lang="en-US"/>
+              <a:rPr lang="en-US">
+                <a:solidFill>
+                  <a:schemeClr val="accent5"/>
+                </a:solidFill>
+              </a:rPr>
               <a:t>k </a:t>
             </a:r>
             <a:r>
-              <a:rPr lang="he-IL"/>
+              <a:rPr lang="he-IL">
+                <a:solidFill>
+                  <a:schemeClr val="accent5"/>
+                </a:solidFill>
+              </a:rPr>
               <a:t> מועמדים - סיים את האלגוריתם. אחרת – חזור לצעד 1. </a:t>
             </a:r>
-            <a:endParaRPr lang="en-US"/>
+            <a:endParaRPr lang="en-US">
+              <a:solidFill>
+                <a:schemeClr val="accent5"/>
+              </a:solidFill>
+            </a:endParaRPr>
           </a:p>
         </p:txBody>
       </p:sp>
@@ -4351,7 +4382,9 @@
           </a:xfrm>
         </p:spPr>
         <p:txBody>
-          <a:bodyPr/>
+          <a:bodyPr>
+            <a:normAutofit fontScale="90000"/>
+          </a:bodyPr>
           <a:lstStyle/>
           <a:p>
             <a:pPr algn="ctr" rtl="1"/>
@@ -4917,7 +4950,9 @@
           </a:xfrm>
         </p:spPr>
         <p:txBody>
-          <a:bodyPr/>
+          <a:bodyPr>
+            <a:normAutofit fontScale="90000"/>
+          </a:bodyPr>
           <a:lstStyle/>
           <a:p>
             <a:pPr algn="ctr" rtl="1"/>
@@ -5093,7 +5128,9 @@
           </a:xfrm>
         </p:spPr>
         <p:txBody>
-          <a:bodyPr/>
+          <a:bodyPr>
+            <a:normAutofit fontScale="90000"/>
+          </a:bodyPr>
           <a:lstStyle/>
           <a:p>
             <a:pPr algn="ctr" rtl="1"/>
@@ -5289,7 +5326,7 @@
                   <a:srgbClr val="FF0000"/>
                 </a:solidFill>
               </a:rPr>
-              <a:t>התוצאה מפרה את תנאי ייצוג הוגן מורחב עבור ארבעת האזרחים הראשונים, שהם קבוצה הזו 2ֿ-מגובשת עם רק נציג 1 לכל אחד.</a:t>
+              <a:t>התוצאה מפרה את תנאי ייצוג הוגן מורחב עבור ארבעת האזרחים הראשונים, שהם קבוצה 2ֿ-מגובשת עם רק נציג 1 לכל אחד.</a:t>
             </a:r>
           </a:p>
         </p:txBody>
@@ -5353,7 +5390,9 @@
           </a:xfrm>
         </p:spPr>
         <p:txBody>
-          <a:bodyPr/>
+          <a:bodyPr>
+            <a:normAutofit fontScale="90000"/>
+          </a:bodyPr>
           <a:lstStyle/>
           <a:p>
             <a:pPr algn="ctr" rtl="1"/>
@@ -5689,7 +5728,9 @@
           </a:xfrm>
         </p:spPr>
         <p:txBody>
-          <a:bodyPr/>
+          <a:bodyPr>
+            <a:normAutofit fontScale="90000"/>
+          </a:bodyPr>
           <a:lstStyle/>
           <a:p>
             <a:pPr algn="ctr" rtl="1"/>
@@ -5819,7 +5860,7 @@
                 <a:ea typeface="Calibri" panose="020F0502020204030204" pitchFamily="34" charset="0"/>
                 <a:cs typeface="David" panose="020E0502060401010101" pitchFamily="34" charset="-79"/>
               </a:rPr>
-              <a:t> נבחרים, שנמתכים ע"י מקופח כלשהו. </a:t>
+              <a:t> נבחרים, שנתמכים ע"י מקופח כלשהו. </a:t>
             </a:r>
           </a:p>
           <a:p>
@@ -6173,7 +6214,9 @@
           </a:xfrm>
         </p:spPr>
         <p:txBody>
-          <a:bodyPr/>
+          <a:bodyPr>
+            <a:normAutofit fontScale="90000"/>
+          </a:bodyPr>
           <a:lstStyle/>
           <a:p>
             <a:pPr algn="ctr" rtl="1"/>
@@ -6523,7 +6566,7 @@
         <p:cNvPr id="1" name="">
           <a:extLst>
             <a:ext uri="{FF2B5EF4-FFF2-40B4-BE49-F238E27FC236}">
-              <a16:creationId xmlns:a16="http://schemas.microsoft.com/office/drawing/2014/main" id="{B90D7B5F-15DE-3BF8-A5CB-419CB734DEFB}"/>
+              <a16:creationId xmlns:a16="http://schemas.microsoft.com/office/drawing/2014/main" id="{2CCEA52A-DDB7-07DE-3991-62563CCF2D32}"/>
             </a:ext>
           </a:extLst>
         </p:cNvPr>
@@ -6543,7 +6586,7 @@
           <p:cNvPr id="2" name="Title 1">
             <a:extLst>
               <a:ext uri="{FF2B5EF4-FFF2-40B4-BE49-F238E27FC236}">
-                <a16:creationId xmlns:a16="http://schemas.microsoft.com/office/drawing/2014/main" id="{1E573324-B4D0-6CEA-B7F7-7F52ADDF9521}"/>
+                <a16:creationId xmlns:a16="http://schemas.microsoft.com/office/drawing/2014/main" id="{DDEF5961-B6E1-9F7A-CBAD-70E802026BF4}"/>
               </a:ext>
             </a:extLst>
           </p:cNvPr>
@@ -6573,7 +6616,7 @@
           <p:cNvPr id="3" name="Content Placeholder 2">
             <a:extLst>
               <a:ext uri="{FF2B5EF4-FFF2-40B4-BE49-F238E27FC236}">
-                <a16:creationId xmlns:a16="http://schemas.microsoft.com/office/drawing/2014/main" id="{B0569126-F3ED-42AE-3BE6-43E38D09D67B}"/>
+                <a16:creationId xmlns:a16="http://schemas.microsoft.com/office/drawing/2014/main" id="{0D28FC16-143F-463D-8BFB-F5F8E89276B5}"/>
               </a:ext>
             </a:extLst>
           </p:cNvPr>
@@ -6587,7 +6630,7 @@
         <p:spPr>
           <a:xfrm>
             <a:off x="358666" y="1502432"/>
-            <a:ext cx="8529144" cy="4351338"/>
+            <a:ext cx="8529144" cy="2825202"/>
           </a:xfrm>
         </p:spPr>
         <p:txBody>
@@ -6657,44 +6700,12 @@
               <a:t> = התקציב הכולל.</a:t>
             </a:r>
           </a:p>
-          <a:p>
-            <a:pPr algn="r" rtl="1"/>
-            <a:endParaRPr lang="he-IL"/>
-          </a:p>
-          <a:p>
-            <a:pPr marL="0" indent="0" algn="r" rtl="1">
-              <a:buNone/>
-            </a:pPr>
-            <a:r>
-              <a:rPr lang="he-IL">
-                <a:hlinkClick r:id="rId2"/>
-              </a:rPr>
-              <a:t>שיטת החלקים השוים לתקצוב משתף כבר מיושמת בעולם</a:t>
-            </a:r>
-            <a:r>
-              <a:rPr lang="he-IL"/>
-              <a:t>. </a:t>
-            </a:r>
-          </a:p>
-          <a:p>
-            <a:pPr marL="0" indent="0" algn="r" rtl="1">
-              <a:buNone/>
-            </a:pPr>
-            <a:r>
-              <a:rPr lang="he-IL">
-                <a:solidFill>
-                  <a:srgbClr val="00B0F0"/>
-                </a:solidFill>
-              </a:rPr>
-              <a:t>בקרוב אצלנו?</a:t>
-            </a:r>
-          </a:p>
         </p:txBody>
       </p:sp>
     </p:spTree>
     <p:extLst>
       <p:ext uri="{BB962C8B-B14F-4D97-AF65-F5344CB8AC3E}">
-        <p14:creationId xmlns:p14="http://schemas.microsoft.com/office/powerpoint/2010/main" val="3048896798"/>
+        <p14:creationId xmlns:p14="http://schemas.microsoft.com/office/powerpoint/2010/main" val="1622601011"/>
       </p:ext>
     </p:extLst>
   </p:cSld>
@@ -6905,104 +6916,6 @@
                       </p:childTnLst>
                     </p:cTn>
                   </p:par>
-                  <p:par>
-                    <p:cTn id="19" fill="hold">
-                      <p:stCondLst>
-                        <p:cond delay="indefinite"/>
-                      </p:stCondLst>
-                      <p:childTnLst>
-                        <p:par>
-                          <p:cTn id="20" fill="hold">
-                            <p:stCondLst>
-                              <p:cond delay="0"/>
-                            </p:stCondLst>
-                            <p:childTnLst>
-                              <p:par>
-                                <p:cTn id="21" presetID="1" presetClass="entr" presetSubtype="0" fill="hold" grpId="0" nodeType="clickEffect">
-                                  <p:stCondLst>
-                                    <p:cond delay="0"/>
-                                  </p:stCondLst>
-                                  <p:childTnLst>
-                                    <p:set>
-                                      <p:cBhvr>
-                                        <p:cTn id="22" dur="1" fill="hold">
-                                          <p:stCondLst>
-                                            <p:cond delay="0"/>
-                                          </p:stCondLst>
-                                        </p:cTn>
-                                        <p:tgtEl>
-                                          <p:spTgt spid="3">
-                                            <p:txEl>
-                                              <p:pRg st="5" end="5"/>
-                                            </p:txEl>
-                                          </p:spTgt>
-                                        </p:tgtEl>
-                                        <p:attrNameLst>
-                                          <p:attrName>style.visibility</p:attrName>
-                                        </p:attrNameLst>
-                                      </p:cBhvr>
-                                      <p:to>
-                                        <p:strVal val="visible"/>
-                                      </p:to>
-                                    </p:set>
-                                  </p:childTnLst>
-                                </p:cTn>
-                              </p:par>
-                            </p:childTnLst>
-                          </p:cTn>
-                        </p:par>
-                      </p:childTnLst>
-                    </p:cTn>
-                  </p:par>
-                  <p:par>
-                    <p:cTn id="23" fill="hold">
-                      <p:stCondLst>
-                        <p:cond delay="indefinite"/>
-                      </p:stCondLst>
-                      <p:childTnLst>
-                        <p:par>
-                          <p:cTn id="24" fill="hold">
-                            <p:stCondLst>
-                              <p:cond delay="0"/>
-                            </p:stCondLst>
-                            <p:childTnLst>
-                              <p:par>
-                                <p:cTn id="25" presetID="1" presetClass="entr" presetSubtype="0" fill="hold" grpId="0" nodeType="clickEffect">
-                                  <p:stCondLst>
-                                    <p:cond delay="0"/>
-                                  </p:stCondLst>
-                                  <p:childTnLst>
-                                    <p:set>
-                                      <p:cBhvr>
-                                        <p:cTn id="26" dur="1" fill="hold">
-                                          <p:stCondLst>
-                                            <p:cond delay="0"/>
-                                          </p:stCondLst>
-                                        </p:cTn>
-                                        <p:tgtEl>
-                                          <p:spTgt spid="3">
-                                            <p:txEl>
-                                              <p:pRg st="6" end="6"/>
-                                            </p:txEl>
-                                          </p:spTgt>
-                                        </p:tgtEl>
-                                        <p:attrNameLst>
-                                          <p:attrName>style.visibility</p:attrName>
-                                        </p:attrNameLst>
-                                      </p:cBhvr>
-                                      <p:to>
-                                        <p:strVal val="visible"/>
-                                      </p:to>
-                                    </p:set>
-                                  </p:childTnLst>
-                                </p:cTn>
-                              </p:par>
-                            </p:childTnLst>
-                          </p:cTn>
-                        </p:par>
-                      </p:childTnLst>
-                    </p:cTn>
-                  </p:par>
                 </p:childTnLst>
               </p:cTn>
               <p:prevCondLst>
@@ -7097,7 +7010,7 @@
         <p:spPr>
           <a:xfrm>
             <a:off x="628650" y="1502432"/>
-            <a:ext cx="7886700" cy="4351338"/>
+            <a:ext cx="8258676" cy="4351338"/>
           </a:xfrm>
         </p:spPr>
         <p:txBody>
@@ -7146,7 +7059,7 @@
             <a:pPr lvl="1" algn="r" rtl="1"/>
             <a:r>
               <a:rPr lang="he-IL" sz="2800"/>
-              <a:t>בחירות אישיות – </a:t>
+              <a:t>בחירות מפלגתיות – </a:t>
             </a:r>
             <a:r>
               <a:rPr lang="he-IL" sz="2800">
@@ -7154,7 +7067,7 @@
                   <a:srgbClr val="00B050"/>
                 </a:solidFill>
               </a:rPr>
-              <a:t>יש קשר אישי</a:t>
+              <a:t>יש ייצוג הוגן</a:t>
             </a:r>
             <a:r>
               <a:rPr lang="he-IL" sz="2800"/>
@@ -7166,7 +7079,7 @@
                   <a:srgbClr val="FF0000"/>
                 </a:solidFill>
               </a:rPr>
-              <a:t>אין ייצוג הוגן</a:t>
+              <a:t>אין קשר אישי</a:t>
             </a:r>
             <a:r>
               <a:rPr lang="he-IL" sz="2800"/>
@@ -7177,7 +7090,7 @@
             <a:pPr lvl="1" algn="r" rtl="1"/>
             <a:r>
               <a:rPr lang="he-IL" sz="2800"/>
-              <a:t>בחירות מפלגתיות – </a:t>
+              <a:t>בחירות אישיות אזוריות – </a:t>
             </a:r>
             <a:r>
               <a:rPr lang="he-IL" sz="2800">
@@ -7185,7 +7098,7 @@
                   <a:srgbClr val="00B050"/>
                 </a:solidFill>
               </a:rPr>
-              <a:t>יש ייצוג הוגן</a:t>
+              <a:t>יש קשר אישי</a:t>
             </a:r>
             <a:r>
               <a:rPr lang="he-IL" sz="2800"/>
@@ -7197,7 +7110,7 @@
                   <a:srgbClr val="FF0000"/>
                 </a:solidFill>
               </a:rPr>
-              <a:t>אין קשר אישי</a:t>
+              <a:t>אין ייצוג הוגן</a:t>
             </a:r>
             <a:r>
               <a:rPr lang="he-IL" sz="2800"/>
@@ -7246,7 +7159,7 @@
             </a:r>
             <a:r>
               <a:rPr lang="he-IL" sz="2800"/>
-              <a:t>.</a:t>
+              <a:t> לקבוצות.</a:t>
             </a:r>
           </a:p>
           <a:p>
@@ -7672,392 +7585,6 @@
         <p:cNvPr id="1" name="">
           <a:extLst>
             <a:ext uri="{FF2B5EF4-FFF2-40B4-BE49-F238E27FC236}">
-              <a16:creationId xmlns:a16="http://schemas.microsoft.com/office/drawing/2014/main" id="{2CCEA52A-DDB7-07DE-3991-62563CCF2D32}"/>
-            </a:ext>
-          </a:extLst>
-        </p:cNvPr>
-        <p:cNvGrpSpPr/>
-        <p:nvPr/>
-      </p:nvGrpSpPr>
-      <p:grpSpPr>
-        <a:xfrm>
-          <a:off x="0" y="0"/>
-          <a:ext cx="0" cy="0"/>
-          <a:chOff x="0" y="0"/>
-          <a:chExt cx="0" cy="0"/>
-        </a:xfrm>
-      </p:grpSpPr>
-      <p:sp>
-        <p:nvSpPr>
-          <p:cNvPr id="2" name="Title 1">
-            <a:extLst>
-              <a:ext uri="{FF2B5EF4-FFF2-40B4-BE49-F238E27FC236}">
-                <a16:creationId xmlns:a16="http://schemas.microsoft.com/office/drawing/2014/main" id="{DDEF5961-B6E1-9F7A-CBAD-70E802026BF4}"/>
-              </a:ext>
-            </a:extLst>
-          </p:cNvPr>
-          <p:cNvSpPr>
-            <a:spLocks noGrp="1"/>
-          </p:cNvSpPr>
-          <p:nvPr>
-            <p:ph type="title"/>
-          </p:nvPr>
-        </p:nvSpPr>
-        <p:spPr/>
-        <p:txBody>
-          <a:bodyPr/>
-          <a:lstStyle/>
-          <a:p>
-            <a:pPr algn="ctr" rtl="1"/>
-            <a:r>
-              <a:rPr lang="he-IL"/>
-              <a:t>מבחירת ועדה לחלוקת תקציב</a:t>
-            </a:r>
-            <a:endParaRPr lang="en-US"/>
-          </a:p>
-        </p:txBody>
-      </p:sp>
-      <p:sp>
-        <p:nvSpPr>
-          <p:cNvPr id="3" name="Content Placeholder 2">
-            <a:extLst>
-              <a:ext uri="{FF2B5EF4-FFF2-40B4-BE49-F238E27FC236}">
-                <a16:creationId xmlns:a16="http://schemas.microsoft.com/office/drawing/2014/main" id="{0D28FC16-143F-463D-8BFB-F5F8E89276B5}"/>
-              </a:ext>
-            </a:extLst>
-          </p:cNvPr>
-          <p:cNvSpPr>
-            <a:spLocks noGrp="1"/>
-          </p:cNvSpPr>
-          <p:nvPr>
-            <p:ph idx="1"/>
-          </p:nvPr>
-        </p:nvSpPr>
-        <p:spPr>
-          <a:xfrm>
-            <a:off x="358666" y="1502432"/>
-            <a:ext cx="8529144" cy="2825202"/>
-          </a:xfrm>
-        </p:spPr>
-        <p:txBody>
-          <a:bodyPr>
-            <a:noAutofit/>
-          </a:bodyPr>
-          <a:lstStyle/>
-          <a:p>
-            <a:pPr marL="0" indent="0" algn="r" rtl="1">
-              <a:buNone/>
-            </a:pPr>
-            <a:r>
-              <a:rPr lang="he-IL"/>
-              <a:t>נכליל את שיטת החלקים השווים ושיטת פראגמן:</a:t>
-            </a:r>
-          </a:p>
-          <a:p>
-            <a:pPr algn="r" rtl="1"/>
-            <a:r>
-              <a:rPr lang="he-IL"/>
-              <a:t>במקום המועמדים, יהיו </a:t>
-            </a:r>
-            <a:r>
-              <a:rPr lang="he-IL" b="1"/>
-              <a:t>הפריטים</a:t>
-            </a:r>
-            <a:r>
-              <a:rPr lang="he-IL"/>
-              <a:t> האפשריים בתקציב;</a:t>
-            </a:r>
-          </a:p>
-          <a:p>
-            <a:pPr algn="r" rtl="1"/>
-            <a:r>
-              <a:rPr lang="he-IL"/>
-              <a:t>במקום עלות של 1 לכל מועמד, תהיה </a:t>
-            </a:r>
-            <a:r>
-              <a:rPr lang="he-IL" b="1"/>
-              <a:t>העלות האמיתית </a:t>
-            </a:r>
-            <a:r>
-              <a:rPr lang="he-IL"/>
-              <a:t>של כל פריט בשקלים.</a:t>
-            </a:r>
-          </a:p>
-          <a:p>
-            <a:pPr algn="r" rtl="1"/>
-            <a:r>
-              <a:rPr lang="he-IL"/>
-              <a:t>בשיטת החלקים השוים, התקציב הוירטואלי ההתחלתי של כל אזרח יהיה </a:t>
-            </a:r>
-            <a:r>
-              <a:rPr lang="en-US" b="1"/>
-              <a:t>B/n</a:t>
-            </a:r>
-            <a:r>
-              <a:rPr lang="he-IL"/>
-              <a:t>, כאשר </a:t>
-            </a:r>
-            <a:r>
-              <a:rPr lang="en-US"/>
-              <a:t>B</a:t>
-            </a:r>
-            <a:r>
-              <a:rPr lang="he-IL"/>
-              <a:t> = התקציב הכולל.</a:t>
-            </a:r>
-          </a:p>
-        </p:txBody>
-      </p:sp>
-    </p:spTree>
-    <p:extLst>
-      <p:ext uri="{BB962C8B-B14F-4D97-AF65-F5344CB8AC3E}">
-        <p14:creationId xmlns:p14="http://schemas.microsoft.com/office/powerpoint/2010/main" val="1622601011"/>
-      </p:ext>
-    </p:extLst>
-  </p:cSld>
-  <p:clrMapOvr>
-    <a:masterClrMapping/>
-  </p:clrMapOvr>
-  <p:timing>
-    <p:tnLst>
-      <p:par>
-        <p:cTn id="1" dur="indefinite" restart="never" nodeType="tmRoot">
-          <p:childTnLst>
-            <p:seq concurrent="1" nextAc="seek">
-              <p:cTn id="2" dur="indefinite" nodeType="mainSeq">
-                <p:childTnLst>
-                  <p:par>
-                    <p:cTn id="3" fill="hold">
-                      <p:stCondLst>
-                        <p:cond delay="indefinite"/>
-                      </p:stCondLst>
-                      <p:childTnLst>
-                        <p:par>
-                          <p:cTn id="4" fill="hold">
-                            <p:stCondLst>
-                              <p:cond delay="0"/>
-                            </p:stCondLst>
-                            <p:childTnLst>
-                              <p:par>
-                                <p:cTn id="5" presetID="1" presetClass="entr" presetSubtype="0" fill="hold" grpId="0" nodeType="clickEffect">
-                                  <p:stCondLst>
-                                    <p:cond delay="0"/>
-                                  </p:stCondLst>
-                                  <p:childTnLst>
-                                    <p:set>
-                                      <p:cBhvr>
-                                        <p:cTn id="6" dur="1" fill="hold">
-                                          <p:stCondLst>
-                                            <p:cond delay="0"/>
-                                          </p:stCondLst>
-                                        </p:cTn>
-                                        <p:tgtEl>
-                                          <p:spTgt spid="3">
-                                            <p:txEl>
-                                              <p:pRg st="0" end="0"/>
-                                            </p:txEl>
-                                          </p:spTgt>
-                                        </p:tgtEl>
-                                        <p:attrNameLst>
-                                          <p:attrName>style.visibility</p:attrName>
-                                        </p:attrNameLst>
-                                      </p:cBhvr>
-                                      <p:to>
-                                        <p:strVal val="visible"/>
-                                      </p:to>
-                                    </p:set>
-                                  </p:childTnLst>
-                                </p:cTn>
-                              </p:par>
-                            </p:childTnLst>
-                          </p:cTn>
-                        </p:par>
-                      </p:childTnLst>
-                    </p:cTn>
-                  </p:par>
-                  <p:par>
-                    <p:cTn id="7" fill="hold">
-                      <p:stCondLst>
-                        <p:cond delay="indefinite"/>
-                      </p:stCondLst>
-                      <p:childTnLst>
-                        <p:par>
-                          <p:cTn id="8" fill="hold">
-                            <p:stCondLst>
-                              <p:cond delay="0"/>
-                            </p:stCondLst>
-                            <p:childTnLst>
-                              <p:par>
-                                <p:cTn id="9" presetID="1" presetClass="entr" presetSubtype="0" fill="hold" grpId="0" nodeType="clickEffect">
-                                  <p:stCondLst>
-                                    <p:cond delay="0"/>
-                                  </p:stCondLst>
-                                  <p:childTnLst>
-                                    <p:set>
-                                      <p:cBhvr>
-                                        <p:cTn id="10" dur="1" fill="hold">
-                                          <p:stCondLst>
-                                            <p:cond delay="0"/>
-                                          </p:stCondLst>
-                                        </p:cTn>
-                                        <p:tgtEl>
-                                          <p:spTgt spid="3">
-                                            <p:txEl>
-                                              <p:pRg st="1" end="1"/>
-                                            </p:txEl>
-                                          </p:spTgt>
-                                        </p:tgtEl>
-                                        <p:attrNameLst>
-                                          <p:attrName>style.visibility</p:attrName>
-                                        </p:attrNameLst>
-                                      </p:cBhvr>
-                                      <p:to>
-                                        <p:strVal val="visible"/>
-                                      </p:to>
-                                    </p:set>
-                                  </p:childTnLst>
-                                </p:cTn>
-                              </p:par>
-                            </p:childTnLst>
-                          </p:cTn>
-                        </p:par>
-                      </p:childTnLst>
-                    </p:cTn>
-                  </p:par>
-                  <p:par>
-                    <p:cTn id="11" fill="hold">
-                      <p:stCondLst>
-                        <p:cond delay="indefinite"/>
-                      </p:stCondLst>
-                      <p:childTnLst>
-                        <p:par>
-                          <p:cTn id="12" fill="hold">
-                            <p:stCondLst>
-                              <p:cond delay="0"/>
-                            </p:stCondLst>
-                            <p:childTnLst>
-                              <p:par>
-                                <p:cTn id="13" presetID="1" presetClass="entr" presetSubtype="0" fill="hold" grpId="0" nodeType="clickEffect">
-                                  <p:stCondLst>
-                                    <p:cond delay="0"/>
-                                  </p:stCondLst>
-                                  <p:childTnLst>
-                                    <p:set>
-                                      <p:cBhvr>
-                                        <p:cTn id="14" dur="1" fill="hold">
-                                          <p:stCondLst>
-                                            <p:cond delay="0"/>
-                                          </p:stCondLst>
-                                        </p:cTn>
-                                        <p:tgtEl>
-                                          <p:spTgt spid="3">
-                                            <p:txEl>
-                                              <p:pRg st="2" end="2"/>
-                                            </p:txEl>
-                                          </p:spTgt>
-                                        </p:tgtEl>
-                                        <p:attrNameLst>
-                                          <p:attrName>style.visibility</p:attrName>
-                                        </p:attrNameLst>
-                                      </p:cBhvr>
-                                      <p:to>
-                                        <p:strVal val="visible"/>
-                                      </p:to>
-                                    </p:set>
-                                  </p:childTnLst>
-                                </p:cTn>
-                              </p:par>
-                            </p:childTnLst>
-                          </p:cTn>
-                        </p:par>
-                      </p:childTnLst>
-                    </p:cTn>
-                  </p:par>
-                  <p:par>
-                    <p:cTn id="15" fill="hold">
-                      <p:stCondLst>
-                        <p:cond delay="indefinite"/>
-                      </p:stCondLst>
-                      <p:childTnLst>
-                        <p:par>
-                          <p:cTn id="16" fill="hold">
-                            <p:stCondLst>
-                              <p:cond delay="0"/>
-                            </p:stCondLst>
-                            <p:childTnLst>
-                              <p:par>
-                                <p:cTn id="17" presetID="1" presetClass="entr" presetSubtype="0" fill="hold" grpId="0" nodeType="clickEffect">
-                                  <p:stCondLst>
-                                    <p:cond delay="0"/>
-                                  </p:stCondLst>
-                                  <p:childTnLst>
-                                    <p:set>
-                                      <p:cBhvr>
-                                        <p:cTn id="18" dur="1" fill="hold">
-                                          <p:stCondLst>
-                                            <p:cond delay="0"/>
-                                          </p:stCondLst>
-                                        </p:cTn>
-                                        <p:tgtEl>
-                                          <p:spTgt spid="3">
-                                            <p:txEl>
-                                              <p:pRg st="3" end="3"/>
-                                            </p:txEl>
-                                          </p:spTgt>
-                                        </p:tgtEl>
-                                        <p:attrNameLst>
-                                          <p:attrName>style.visibility</p:attrName>
-                                        </p:attrNameLst>
-                                      </p:cBhvr>
-                                      <p:to>
-                                        <p:strVal val="visible"/>
-                                      </p:to>
-                                    </p:set>
-                                  </p:childTnLst>
-                                </p:cTn>
-                              </p:par>
-                            </p:childTnLst>
-                          </p:cTn>
-                        </p:par>
-                      </p:childTnLst>
-                    </p:cTn>
-                  </p:par>
-                </p:childTnLst>
-              </p:cTn>
-              <p:prevCondLst>
-                <p:cond evt="onPrev" delay="0">
-                  <p:tgtEl>
-                    <p:sldTgt/>
-                  </p:tgtEl>
-                </p:cond>
-              </p:prevCondLst>
-              <p:nextCondLst>
-                <p:cond evt="onNext" delay="0">
-                  <p:tgtEl>
-                    <p:sldTgt/>
-                  </p:tgtEl>
-                </p:cond>
-              </p:nextCondLst>
-            </p:seq>
-          </p:childTnLst>
-        </p:cTn>
-      </p:par>
-    </p:tnLst>
-    <p:bldLst>
-      <p:bldP spid="3" grpId="0" uiExpand="1" build="p"/>
-    </p:bldLst>
-  </p:timing>
-</p:sld>
-</file>
-
-<file path=ppt/slides/slide21.xml><?xml version="1.0" encoding="utf-8"?>
-<p:sld xmlns:a="http://schemas.openxmlformats.org/drawingml/2006/main" xmlns:r="http://schemas.openxmlformats.org/officeDocument/2006/relationships" xmlns:p="http://schemas.openxmlformats.org/presentationml/2006/main">
-  <p:cSld>
-    <p:spTree>
-      <p:nvGrpSpPr>
-        <p:cNvPr id="1" name="">
-          <a:extLst>
-            <a:ext uri="{FF2B5EF4-FFF2-40B4-BE49-F238E27FC236}">
               <a16:creationId xmlns:a16="http://schemas.microsoft.com/office/drawing/2014/main" id="{A1537F77-F4D5-18C8-55E3-F45F1EDC31DC}"/>
             </a:ext>
           </a:extLst>
@@ -8307,19 +7834,6 @@
             <a:r>
               <a:rPr lang="he-IL"/>
               <a:t>. </a:t>
-            </a:r>
-          </a:p>
-          <a:p>
-            <a:pPr marL="0" indent="0" rtl="1">
-              <a:buNone/>
-            </a:pPr>
-            <a:r>
-              <a:rPr lang="he-IL">
-                <a:solidFill>
-                  <a:srgbClr val="00B0F0"/>
-                </a:solidFill>
-              </a:rPr>
-              <a:t>בקרוב אצלנו?</a:t>
             </a:r>
           </a:p>
         </p:txBody>
@@ -8538,55 +8052,6 @@
                       </p:childTnLst>
                     </p:cTn>
                   </p:par>
-                  <p:par>
-                    <p:cTn id="19" fill="hold">
-                      <p:stCondLst>
-                        <p:cond delay="indefinite"/>
-                      </p:stCondLst>
-                      <p:childTnLst>
-                        <p:par>
-                          <p:cTn id="20" fill="hold">
-                            <p:stCondLst>
-                              <p:cond delay="0"/>
-                            </p:stCondLst>
-                            <p:childTnLst>
-                              <p:par>
-                                <p:cTn id="21" presetID="1" presetClass="entr" presetSubtype="0" fill="hold" grpId="0" nodeType="clickEffect">
-                                  <p:stCondLst>
-                                    <p:cond delay="0"/>
-                                  </p:stCondLst>
-                                  <p:childTnLst>
-                                    <p:set>
-                                      <p:cBhvr>
-                                        <p:cTn id="22" dur="1" fill="hold">
-                                          <p:stCondLst>
-                                            <p:cond delay="0"/>
-                                          </p:stCondLst>
-                                        </p:cTn>
-                                        <p:tgtEl>
-                                          <p:spTgt spid="3">
-                                            <p:txEl>
-                                              <p:pRg st="6" end="6"/>
-                                            </p:txEl>
-                                          </p:spTgt>
-                                        </p:tgtEl>
-                                        <p:attrNameLst>
-                                          <p:attrName>style.visibility</p:attrName>
-                                        </p:attrNameLst>
-                                      </p:cBhvr>
-                                      <p:to>
-                                        <p:strVal val="visible"/>
-                                      </p:to>
-                                    </p:set>
-                                  </p:childTnLst>
-                                </p:cTn>
-                              </p:par>
-                            </p:childTnLst>
-                          </p:cTn>
-                        </p:par>
-                      </p:childTnLst>
-                    </p:cTn>
-                  </p:par>
                 </p:childTnLst>
               </p:cTn>
               <p:prevCondLst>
@@ -8661,7 +8126,9 @@
           </a:xfrm>
         </p:spPr>
         <p:txBody>
-          <a:bodyPr/>
+          <a:bodyPr>
+            <a:normAutofit fontScale="90000"/>
+          </a:bodyPr>
           <a:lstStyle/>
           <a:p>
             <a:pPr algn="ctr" rtl="1"/>
@@ -10247,7 +9714,9 @@
           </a:xfrm>
         </p:spPr>
         <p:txBody>
-          <a:bodyPr/>
+          <a:bodyPr>
+            <a:normAutofit fontScale="90000"/>
+          </a:bodyPr>
           <a:lstStyle/>
           <a:p>
             <a:pPr algn="ctr" rtl="1"/>
@@ -10728,7 +10197,9 @@
           </a:xfrm>
         </p:spPr>
         <p:txBody>
-          <a:bodyPr/>
+          <a:bodyPr>
+            <a:normAutofit fontScale="90000"/>
+          </a:bodyPr>
           <a:lstStyle/>
           <a:p>
             <a:pPr algn="ctr" rtl="1"/>
@@ -10795,7 +10266,15 @@
             </a:pPr>
             <a:r>
               <a:rPr lang="he-IL"/>
-              <a:t>0. תן לכל אזרח "תקציב" וירטואלי בגודל </a:t>
+              <a:t>0. אתחול:</a:t>
+            </a:r>
+            <a:r>
+              <a:rPr lang="en-US"/>
+              <a:t> </a:t>
+            </a:r>
+            <a:r>
+              <a:rPr lang="he-IL"/>
+              <a:t>תן לכל אזרח "תקציב" וירטואלי בגודל </a:t>
             </a:r>
             <a:r>
               <a:rPr lang="en-US"/>
@@ -10821,20 +10300,69 @@
               <a:buNone/>
             </a:pPr>
             <a:r>
-              <a:rPr lang="he-IL"/>
-              <a:t>1. אם יש לפחות מועמד אחד, שתומכיו יכולים לשלם את העלות שלו - בחר מועמד כזה, שהעלות לכל תומך שלו תהיה נמוכה ביותר, וחזור ל-1.</a:t>
-            </a:r>
-            <a:endParaRPr lang="en-US"/>
+              <a:rPr lang="he-IL">
+                <a:solidFill>
+                  <a:srgbClr val="0070C0"/>
+                </a:solidFill>
+              </a:rPr>
+              <a:t>1. אם יש לפחות מועמד אחד, שתומכיו יכולים לשלם את העלות שלו:</a:t>
+            </a:r>
+          </a:p>
+          <a:p>
+            <a:pPr algn="r" rtl="1"/>
+            <a:r>
+              <a:rPr lang="he-IL">
+                <a:solidFill>
+                  <a:srgbClr val="0070C0"/>
+                </a:solidFill>
+              </a:rPr>
+              <a:t>בחר מועמד כזה, שהעלות לכל תומך שלו נמוכה ביותר;</a:t>
+            </a:r>
+          </a:p>
+          <a:p>
+            <a:pPr algn="r" rtl="1"/>
+            <a:r>
+              <a:rPr lang="he-IL">
+                <a:solidFill>
+                  <a:srgbClr val="0070C0"/>
+                </a:solidFill>
+              </a:rPr>
+              <a:t>חלק את עלות המועמד בין כל תומכיו באופן שווה;</a:t>
+            </a:r>
+          </a:p>
+          <a:p>
+            <a:pPr algn="r" rtl="1"/>
+            <a:r>
+              <a:rPr lang="he-IL">
+                <a:solidFill>
+                  <a:srgbClr val="0070C0"/>
+                </a:solidFill>
+              </a:rPr>
+              <a:t>חזור ל-1.</a:t>
+            </a:r>
+            <a:endParaRPr lang="en-US">
+              <a:solidFill>
+                <a:srgbClr val="0070C0"/>
+              </a:solidFill>
+            </a:endParaRPr>
           </a:p>
           <a:p>
             <a:pPr marL="0" indent="0" algn="r" rtl="1">
               <a:buNone/>
             </a:pPr>
             <a:r>
-              <a:rPr lang="he-IL"/>
+              <a:rPr lang="he-IL">
+                <a:solidFill>
+                  <a:schemeClr val="accent6"/>
+                </a:solidFill>
+              </a:rPr>
               <a:t>2. אחרת, סיים את האלגוריתם; אם חסרים חברים בוועדה, הוסף חברים באופן שרירותי.</a:t>
             </a:r>
-            <a:endParaRPr lang="en-US"/>
+            <a:endParaRPr lang="en-US">
+              <a:solidFill>
+                <a:schemeClr val="accent6"/>
+              </a:solidFill>
+            </a:endParaRPr>
           </a:p>
         </p:txBody>
       </p:sp>
@@ -10897,7 +10425,9 @@
           </a:xfrm>
         </p:spPr>
         <p:txBody>
-          <a:bodyPr/>
+          <a:bodyPr>
+            <a:normAutofit fontScale="90000"/>
+          </a:bodyPr>
           <a:lstStyle/>
           <a:p>
             <a:pPr algn="ctr" rtl="1"/>
@@ -12391,7 +11921,9 @@
           </a:xfrm>
         </p:spPr>
         <p:txBody>
-          <a:bodyPr/>
+          <a:bodyPr>
+            <a:normAutofit fontScale="90000"/>
+          </a:bodyPr>
           <a:lstStyle/>
           <a:p>
             <a:pPr algn="ctr" rtl="1"/>
@@ -12515,6 +12047,14 @@
             <a:r>
               <a:rPr lang="he-IL" sz="3200"/>
               <a:t>-אחידה הוא לפחות </a:t>
+            </a:r>
+            <a:r>
+              <a:rPr lang="en-US" sz="3200"/>
+              <a:t>(L*n/k)*(k/n)</a:t>
+            </a:r>
+            <a:r>
+              <a:rPr lang="he-IL" sz="3200"/>
+              <a:t> = </a:t>
             </a:r>
             <a:r>
               <a:rPr lang="en-US" sz="3200"/>

--- a/10-participatory-budgeting/slides-1-budget-discrete.pptx
+++ b/10-participatory-budgeting/slides-1-budget-discrete.pptx
@@ -262,7 +262,7 @@
           <a:p>
             <a:fld id="{DC548CFC-330B-4E13-8594-C7215081A49A}" type="datetimeFigureOut">
               <a:rPr lang="en-US" smtClean="0"/>
-              <a:t>5/25/2025</a:t>
+              <a:t>6/8/2025</a:t>
             </a:fld>
             <a:endParaRPr lang="en-US"/>
           </a:p>
@@ -432,7 +432,7 @@
           <a:p>
             <a:fld id="{DC548CFC-330B-4E13-8594-C7215081A49A}" type="datetimeFigureOut">
               <a:rPr lang="en-US" smtClean="0"/>
-              <a:t>5/25/2025</a:t>
+              <a:t>6/8/2025</a:t>
             </a:fld>
             <a:endParaRPr lang="en-US"/>
           </a:p>
@@ -612,7 +612,7 @@
           <a:p>
             <a:fld id="{DC548CFC-330B-4E13-8594-C7215081A49A}" type="datetimeFigureOut">
               <a:rPr lang="en-US" smtClean="0"/>
-              <a:t>5/25/2025</a:t>
+              <a:t>6/8/2025</a:t>
             </a:fld>
             <a:endParaRPr lang="en-US"/>
           </a:p>
@@ -782,7 +782,7 @@
           <a:p>
             <a:fld id="{DC548CFC-330B-4E13-8594-C7215081A49A}" type="datetimeFigureOut">
               <a:rPr lang="en-US" smtClean="0"/>
-              <a:t>5/25/2025</a:t>
+              <a:t>6/8/2025</a:t>
             </a:fld>
             <a:endParaRPr lang="en-US"/>
           </a:p>
@@ -1026,7 +1026,7 @@
           <a:p>
             <a:fld id="{DC548CFC-330B-4E13-8594-C7215081A49A}" type="datetimeFigureOut">
               <a:rPr lang="en-US" smtClean="0"/>
-              <a:t>5/25/2025</a:t>
+              <a:t>6/8/2025</a:t>
             </a:fld>
             <a:endParaRPr lang="en-US"/>
           </a:p>
@@ -1258,7 +1258,7 @@
           <a:p>
             <a:fld id="{DC548CFC-330B-4E13-8594-C7215081A49A}" type="datetimeFigureOut">
               <a:rPr lang="en-US" smtClean="0"/>
-              <a:t>5/25/2025</a:t>
+              <a:t>6/8/2025</a:t>
             </a:fld>
             <a:endParaRPr lang="en-US"/>
           </a:p>
@@ -1625,7 +1625,7 @@
           <a:p>
             <a:fld id="{DC548CFC-330B-4E13-8594-C7215081A49A}" type="datetimeFigureOut">
               <a:rPr lang="en-US" smtClean="0"/>
-              <a:t>5/25/2025</a:t>
+              <a:t>6/8/2025</a:t>
             </a:fld>
             <a:endParaRPr lang="en-US"/>
           </a:p>
@@ -1743,7 +1743,7 @@
           <a:p>
             <a:fld id="{DC548CFC-330B-4E13-8594-C7215081A49A}" type="datetimeFigureOut">
               <a:rPr lang="en-US" smtClean="0"/>
-              <a:t>5/25/2025</a:t>
+              <a:t>6/8/2025</a:t>
             </a:fld>
             <a:endParaRPr lang="en-US"/>
           </a:p>
@@ -1838,7 +1838,7 @@
           <a:p>
             <a:fld id="{DC548CFC-330B-4E13-8594-C7215081A49A}" type="datetimeFigureOut">
               <a:rPr lang="en-US" smtClean="0"/>
-              <a:t>5/25/2025</a:t>
+              <a:t>6/8/2025</a:t>
             </a:fld>
             <a:endParaRPr lang="en-US"/>
           </a:p>
@@ -2115,7 +2115,7 @@
           <a:p>
             <a:fld id="{DC548CFC-330B-4E13-8594-C7215081A49A}" type="datetimeFigureOut">
               <a:rPr lang="en-US" smtClean="0"/>
-              <a:t>5/25/2025</a:t>
+              <a:t>6/8/2025</a:t>
             </a:fld>
             <a:endParaRPr lang="en-US"/>
           </a:p>
@@ -2372,7 +2372,7 @@
           <a:p>
             <a:fld id="{DC548CFC-330B-4E13-8594-C7215081A49A}" type="datetimeFigureOut">
               <a:rPr lang="en-US" smtClean="0"/>
-              <a:t>5/25/2025</a:t>
+              <a:t>6/8/2025</a:t>
             </a:fld>
             <a:endParaRPr lang="en-US"/>
           </a:p>
@@ -2585,7 +2585,7 @@
           <a:p>
             <a:fld id="{DC548CFC-330B-4E13-8594-C7215081A49A}" type="datetimeFigureOut">
               <a:rPr lang="en-US" smtClean="0"/>
-              <a:t>5/25/2025</a:t>
+              <a:t>6/8/2025</a:t>
             </a:fld>
             <a:endParaRPr lang="en-US"/>
           </a:p>
@@ -6630,7 +6630,7 @@
         <p:spPr>
           <a:xfrm>
             <a:off x="358666" y="1502432"/>
-            <a:ext cx="8529144" cy="2825202"/>
+            <a:ext cx="8529144" cy="3935842"/>
           </a:xfrm>
         </p:spPr>
         <p:txBody>
@@ -6643,61 +6643,126 @@
               <a:buNone/>
             </a:pPr>
             <a:r>
-              <a:rPr lang="he-IL"/>
-              <a:t>נכליל את שיטת החלקים השווים ושיטת פראגמן:</a:t>
+              <a:rPr lang="he-IL">
+                <a:solidFill>
+                  <a:srgbClr val="0070C0"/>
+                </a:solidFill>
+              </a:rPr>
+              <a:t>נכליל את שיטת החלקים השווים:</a:t>
             </a:r>
           </a:p>
           <a:p>
             <a:pPr algn="r" rtl="1"/>
             <a:r>
-              <a:rPr lang="he-IL"/>
+              <a:rPr lang="he-IL">
+                <a:solidFill>
+                  <a:srgbClr val="0070C0"/>
+                </a:solidFill>
+              </a:rPr>
               <a:t>במקום המועמדים, יהיו </a:t>
             </a:r>
             <a:r>
-              <a:rPr lang="he-IL" b="1"/>
+              <a:rPr lang="he-IL" b="1">
+                <a:solidFill>
+                  <a:srgbClr val="0070C0"/>
+                </a:solidFill>
+              </a:rPr>
               <a:t>הפריטים</a:t>
             </a:r>
             <a:r>
-              <a:rPr lang="he-IL"/>
+              <a:rPr lang="he-IL">
+                <a:solidFill>
+                  <a:srgbClr val="0070C0"/>
+                </a:solidFill>
+              </a:rPr>
               <a:t> האפשריים בתקציב;</a:t>
             </a:r>
           </a:p>
           <a:p>
             <a:pPr algn="r" rtl="1"/>
             <a:r>
-              <a:rPr lang="he-IL"/>
+              <a:rPr lang="he-IL">
+                <a:solidFill>
+                  <a:srgbClr val="0070C0"/>
+                </a:solidFill>
+              </a:rPr>
               <a:t>במקום עלות של 1 לכל מועמד, תהיה </a:t>
             </a:r>
             <a:r>
-              <a:rPr lang="he-IL" b="1"/>
+              <a:rPr lang="he-IL" b="1">
+                <a:solidFill>
+                  <a:srgbClr val="0070C0"/>
+                </a:solidFill>
+              </a:rPr>
               <a:t>העלות האמיתית </a:t>
             </a:r>
             <a:r>
-              <a:rPr lang="he-IL"/>
+              <a:rPr lang="he-IL">
+                <a:solidFill>
+                  <a:srgbClr val="0070C0"/>
+                </a:solidFill>
+              </a:rPr>
               <a:t>של כל פריט בשקלים.</a:t>
             </a:r>
           </a:p>
           <a:p>
             <a:pPr algn="r" rtl="1"/>
             <a:r>
-              <a:rPr lang="he-IL"/>
-              <a:t>בשיטת החלקים השוים, התקציב הוירטואלי ההתחלתי של כל אזרח יהיה </a:t>
-            </a:r>
-            <a:r>
-              <a:rPr lang="en-US" b="1"/>
+              <a:rPr lang="he-IL">
+                <a:solidFill>
+                  <a:srgbClr val="0070C0"/>
+                </a:solidFill>
+              </a:rPr>
+              <a:t>התקציב הוירטואלי ההתחלתי של כל אזרח יהיה </a:t>
+            </a:r>
+            <a:r>
+              <a:rPr lang="en-US" b="1">
+                <a:solidFill>
+                  <a:srgbClr val="0070C0"/>
+                </a:solidFill>
+              </a:rPr>
               <a:t>B/n</a:t>
             </a:r>
             <a:r>
-              <a:rPr lang="he-IL"/>
+              <a:rPr lang="he-IL">
+                <a:solidFill>
+                  <a:srgbClr val="0070C0"/>
+                </a:solidFill>
+              </a:rPr>
               <a:t>, כאשר </a:t>
             </a:r>
             <a:r>
-              <a:rPr lang="en-US"/>
+              <a:rPr lang="en-US">
+                <a:solidFill>
+                  <a:srgbClr val="0070C0"/>
+                </a:solidFill>
+              </a:rPr>
               <a:t>B</a:t>
             </a:r>
             <a:r>
-              <a:rPr lang="he-IL"/>
+              <a:rPr lang="he-IL">
+                <a:solidFill>
+                  <a:srgbClr val="0070C0"/>
+                </a:solidFill>
+              </a:rPr>
               <a:t> = התקציב הכולל.</a:t>
+            </a:r>
+          </a:p>
+          <a:p>
+            <a:pPr algn="r" rtl="1"/>
+            <a:endParaRPr lang="he-IL"/>
+          </a:p>
+          <a:p>
+            <a:pPr marL="0" indent="0" algn="r" rtl="1">
+              <a:buNone/>
+            </a:pPr>
+            <a:r>
+              <a:rPr lang="he-IL">
+                <a:solidFill>
+                  <a:srgbClr val="00B050"/>
+                </a:solidFill>
+              </a:rPr>
+              <a:t>באופן דומה אפשר להכליל את שיטת פראגמן.</a:t>
             </a:r>
           </a:p>
         </p:txBody>
@@ -6896,6 +6961,55 @@
                                           <p:spTgt spid="3">
                                             <p:txEl>
                                               <p:pRg st="3" end="3"/>
+                                            </p:txEl>
+                                          </p:spTgt>
+                                        </p:tgtEl>
+                                        <p:attrNameLst>
+                                          <p:attrName>style.visibility</p:attrName>
+                                        </p:attrNameLst>
+                                      </p:cBhvr>
+                                      <p:to>
+                                        <p:strVal val="visible"/>
+                                      </p:to>
+                                    </p:set>
+                                  </p:childTnLst>
+                                </p:cTn>
+                              </p:par>
+                            </p:childTnLst>
+                          </p:cTn>
+                        </p:par>
+                      </p:childTnLst>
+                    </p:cTn>
+                  </p:par>
+                  <p:par>
+                    <p:cTn id="19" fill="hold">
+                      <p:stCondLst>
+                        <p:cond delay="indefinite"/>
+                      </p:stCondLst>
+                      <p:childTnLst>
+                        <p:par>
+                          <p:cTn id="20" fill="hold">
+                            <p:stCondLst>
+                              <p:cond delay="0"/>
+                            </p:stCondLst>
+                            <p:childTnLst>
+                              <p:par>
+                                <p:cTn id="21" presetID="1" presetClass="entr" presetSubtype="0" fill="hold" grpId="0" nodeType="clickEffect">
+                                  <p:stCondLst>
+                                    <p:cond delay="0"/>
+                                  </p:stCondLst>
+                                  <p:childTnLst>
+                                    <p:set>
+                                      <p:cBhvr>
+                                        <p:cTn id="22" dur="1" fill="hold">
+                                          <p:stCondLst>
+                                            <p:cond delay="0"/>
+                                          </p:stCondLst>
+                                        </p:cTn>
+                                        <p:tgtEl>
+                                          <p:spTgt spid="3">
+                                            <p:txEl>
+                                              <p:pRg st="5" end="5"/>
                                             </p:txEl>
                                           </p:spTgt>
                                         </p:tgtEl>
